--- a/Presentation/Project One - Education ATAR vs Geolocation.pptx
+++ b/Presentation/Project One - Education ATAR vs Geolocation.pptx
@@ -2011,7 +2011,7 @@
 <dgm:dataModel xmlns:dgm="http://schemas.openxmlformats.org/drawingml/2006/diagram" xmlns:a="http://schemas.openxmlformats.org/drawingml/2006/main">
   <dgm:ptLst>
     <dgm:pt modelId="{14E9C35D-DF69-48C9-AFD4-1FFA250845F4}" type="doc">
-      <dgm:prSet loTypeId="urn:microsoft.com/office/officeart/2005/8/layout/vList5" loCatId="list" qsTypeId="urn:microsoft.com/office/officeart/2005/8/quickstyle/simple1" qsCatId="simple" csTypeId="urn:microsoft.com/office/officeart/2005/8/colors/accent2_2" csCatId="accent2"/>
+      <dgm:prSet loTypeId="urn:microsoft.com/office/officeart/2005/8/layout/vList5" loCatId="list" qsTypeId="urn:microsoft.com/office/officeart/2005/8/quickstyle/simple1" qsCatId="simple" csTypeId="urn:microsoft.com/office/officeart/2005/8/colors/accent2_2" csCatId="accent2" phldr="1"/>
       <dgm:spPr/>
       <dgm:t>
         <a:bodyPr/>
@@ -2066,10 +2066,10 @@
         <a:lstStyle/>
         <a:p>
           <a:r>
-            <a:rPr lang="en-AU"/>
-            <a:t>YES, Schools closer to Major Cities have better academic performance.</a:t>
+            <a:rPr lang="en-US" b="0" i="0" dirty="0"/>
+            <a:t>No, No geolocation performs significantly better than any other geolocation.</a:t>
           </a:r>
-          <a:endParaRPr lang="en-US"/>
+          <a:endParaRPr lang="en-US" dirty="0"/>
         </a:p>
       </dgm:t>
     </dgm:pt>
@@ -2140,10 +2140,10 @@
         <a:lstStyle/>
         <a:p>
           <a:r>
-            <a:rPr lang="en-AU"/>
-            <a:t>YES, There are more schools closer to Major Cities than regional Victoria</a:t>
+            <a:rPr lang="en-US" b="0" i="0" dirty="0"/>
+            <a:t>Yes, major cities have a significantly higher number of schools both government and non-government. Meaning major cities have the highest amount of choice for schools.</a:t>
           </a:r>
-          <a:endParaRPr lang="en-US"/>
+          <a:endParaRPr lang="en-US" dirty="0"/>
         </a:p>
       </dgm:t>
     </dgm:pt>
@@ -2214,10 +2214,10 @@
         <a:lstStyle/>
         <a:p>
           <a:r>
-            <a:rPr lang="en-AU"/>
-            <a:t>Non-Gov school sector had their best academic success.</a:t>
+            <a:rPr lang="en-US" b="0" i="0" dirty="0"/>
+            <a:t>Non-government schools have the best chances of success, and on average perform better than government schools but are less consistent compared to government schools.</a:t>
           </a:r>
-          <a:endParaRPr lang="en-US"/>
+          <a:endParaRPr lang="en-US" dirty="0"/>
         </a:p>
       </dgm:t>
     </dgm:pt>
@@ -2901,12 +2901,12 @@
         <a:fontRef idx="minor"/>
       </dsp:style>
       <dsp:txBody>
-        <a:bodyPr spcFirstLastPara="0" vert="horz" wrap="square" lIns="114300" tIns="57150" rIns="114300" bIns="57150" numCol="1" spcCol="1270" anchor="ctr" anchorCtr="0">
+        <a:bodyPr spcFirstLastPara="0" vert="horz" wrap="square" lIns="76200" tIns="38100" rIns="76200" bIns="38100" numCol="1" spcCol="1270" anchor="ctr" anchorCtr="0">
           <a:noAutofit/>
         </a:bodyPr>
         <a:lstStyle/>
         <a:p>
-          <a:pPr marL="285750" lvl="1" indent="-285750" algn="l" defTabSz="1333500">
+          <a:pPr marL="228600" lvl="1" indent="-228600" algn="l" defTabSz="889000">
             <a:lnSpc>
               <a:spcPct val="90000"/>
             </a:lnSpc>
@@ -2919,10 +2919,10 @@
             <a:buChar char="•"/>
           </a:pPr>
           <a:r>
-            <a:rPr lang="en-AU" sz="3000" kern="1200"/>
-            <a:t>YES, Schools closer to Major Cities have better academic performance.</a:t>
+            <a:rPr lang="en-US" sz="2000" b="0" i="0" kern="1200" dirty="0"/>
+            <a:t>No, No geolocation performs significantly better than any other geolocation.</a:t>
           </a:r>
-          <a:endParaRPr lang="en-US" sz="3000" kern="1200"/>
+          <a:endParaRPr lang="en-US" sz="2000" kern="1200" dirty="0"/>
         </a:p>
       </dsp:txBody>
       <dsp:txXfrm rot="-5400000">
@@ -3061,12 +3061,12 @@
         <a:fontRef idx="minor"/>
       </dsp:style>
       <dsp:txBody>
-        <a:bodyPr spcFirstLastPara="0" vert="horz" wrap="square" lIns="114300" tIns="57150" rIns="114300" bIns="57150" numCol="1" spcCol="1270" anchor="ctr" anchorCtr="0">
+        <a:bodyPr spcFirstLastPara="0" vert="horz" wrap="square" lIns="76200" tIns="38100" rIns="76200" bIns="38100" numCol="1" spcCol="1270" anchor="ctr" anchorCtr="0">
           <a:noAutofit/>
         </a:bodyPr>
         <a:lstStyle/>
         <a:p>
-          <a:pPr marL="285750" lvl="1" indent="-285750" algn="l" defTabSz="1333500">
+          <a:pPr marL="228600" lvl="1" indent="-228600" algn="l" defTabSz="889000">
             <a:lnSpc>
               <a:spcPct val="90000"/>
             </a:lnSpc>
@@ -3079,10 +3079,10 @@
             <a:buChar char="•"/>
           </a:pPr>
           <a:r>
-            <a:rPr lang="en-AU" sz="3000" kern="1200"/>
-            <a:t>YES, There are more schools closer to Major Cities than regional Victoria</a:t>
+            <a:rPr lang="en-US" sz="2000" b="0" i="0" kern="1200" dirty="0"/>
+            <a:t>Yes, major cities have a significantly higher number of schools both government and non-government. Meaning major cities have the highest amount of choice for schools.</a:t>
           </a:r>
-          <a:endParaRPr lang="en-US" sz="3000" kern="1200"/>
+          <a:endParaRPr lang="en-US" sz="2000" kern="1200" dirty="0"/>
         </a:p>
       </dsp:txBody>
       <dsp:txXfrm rot="-5400000">
@@ -3221,12 +3221,12 @@
         <a:fontRef idx="minor"/>
       </dsp:style>
       <dsp:txBody>
-        <a:bodyPr spcFirstLastPara="0" vert="horz" wrap="square" lIns="114300" tIns="57150" rIns="114300" bIns="57150" numCol="1" spcCol="1270" anchor="ctr" anchorCtr="0">
+        <a:bodyPr spcFirstLastPara="0" vert="horz" wrap="square" lIns="76200" tIns="38100" rIns="76200" bIns="38100" numCol="1" spcCol="1270" anchor="ctr" anchorCtr="0">
           <a:noAutofit/>
         </a:bodyPr>
         <a:lstStyle/>
         <a:p>
-          <a:pPr marL="285750" lvl="1" indent="-285750" algn="l" defTabSz="1333500">
+          <a:pPr marL="228600" lvl="1" indent="-228600" algn="l" defTabSz="889000">
             <a:lnSpc>
               <a:spcPct val="90000"/>
             </a:lnSpc>
@@ -3239,10 +3239,10 @@
             <a:buChar char="•"/>
           </a:pPr>
           <a:r>
-            <a:rPr lang="en-AU" sz="3000" kern="1200"/>
-            <a:t>Non-Gov school sector had their best academic success.</a:t>
+            <a:rPr lang="en-US" sz="2000" b="0" i="0" kern="1200" dirty="0"/>
+            <a:t>Non-government schools have the best chances of success, and on average perform better than government schools but are less consistent compared to government schools.</a:t>
           </a:r>
-          <a:endParaRPr lang="en-US" sz="3000" kern="1200"/>
+          <a:endParaRPr lang="en-US" sz="2000" kern="1200" dirty="0"/>
         </a:p>
       </dsp:txBody>
       <dsp:txXfrm rot="-5400000">
@@ -17410,7 +17410,7 @@
           <p:nvPr>
             <p:extLst>
               <p:ext uri="{D42A27DB-BD31-4B8C-83A1-F6EECF244321}">
-                <p14:modId xmlns:p14="http://schemas.microsoft.com/office/powerpoint/2010/main" val="1167985072"/>
+                <p14:modId xmlns:p14="http://schemas.microsoft.com/office/powerpoint/2010/main" val="1032069005"/>
               </p:ext>
             </p:extLst>
           </p:nvPr>
@@ -20856,21 +20856,21 @@
 </file>
 
 <file path=customXml/item2.xml><?xml version="1.0" encoding="utf-8"?>
+<?mso-contentType ?>
+<FormTemplates xmlns="http://schemas.microsoft.com/sharepoint/v3/contenttype/forms">
+  <Display>DocumentLibraryForm</Display>
+  <Edit>DocumentLibraryForm</Edit>
+  <New>DocumentLibraryForm</New>
+</FormTemplates>
+</file>
+
+<file path=customXml/item3.xml><?xml version="1.0" encoding="utf-8"?>
 <p:properties xmlns:p="http://schemas.microsoft.com/office/2006/metadata/properties" xmlns:xsi="http://www.w3.org/2001/XMLSchema-instance" xmlns:pc="http://schemas.microsoft.com/office/infopath/2007/PartnerControls">
   <documentManagement>
     <Status xmlns="71af3243-3dd4-4a8d-8c0d-dd76da1f02a5">Not started</Status>
     <MediaServiceKeyPoints xmlns="71af3243-3dd4-4a8d-8c0d-dd76da1f02a5" xsi:nil="true"/>
   </documentManagement>
 </p:properties>
-</file>
-
-<file path=customXml/item3.xml><?xml version="1.0" encoding="utf-8"?>
-<?mso-contentType ?>
-<FormTemplates xmlns="http://schemas.microsoft.com/sharepoint/v3/contenttype/forms">
-  <Display>DocumentLibraryForm</Display>
-  <Edit>DocumentLibraryForm</Edit>
-  <New>DocumentLibraryForm</New>
-</FormTemplates>
 </file>
 
 <file path=customXml/itemProps1.xml><?xml version="1.0" encoding="utf-8"?>
@@ -20893,6 +20893,14 @@
 </file>
 
 <file path=customXml/itemProps2.xml><?xml version="1.0" encoding="utf-8"?>
+<ds:datastoreItem xmlns:ds="http://schemas.openxmlformats.org/officeDocument/2006/customXml" ds:itemID="{05D99ABA-76CE-4A8E-B5F0-C051B96628DE}">
+  <ds:schemaRefs>
+    <ds:schemaRef ds:uri="http://schemas.microsoft.com/sharepoint/v3/contenttype/forms"/>
+  </ds:schemaRefs>
+</ds:datastoreItem>
+</file>
+
+<file path=customXml/itemProps3.xml><?xml version="1.0" encoding="utf-8"?>
 <ds:datastoreItem xmlns:ds="http://schemas.openxmlformats.org/officeDocument/2006/customXml" ds:itemID="{4DEA9014-ED64-4558-B1E1-D03F0EE32BEB}">
   <ds:schemaRefs>
     <ds:schemaRef ds:uri="http://schemas.microsoft.com/office/2006/metadata/properties"/>
@@ -20900,12 +20908,4 @@
     <ds:schemaRef ds:uri="71af3243-3dd4-4a8d-8c0d-dd76da1f02a5"/>
   </ds:schemaRefs>
 </ds:datastoreItem>
-</file>
-
-<file path=customXml/itemProps3.xml><?xml version="1.0" encoding="utf-8"?>
-<ds:datastoreItem xmlns:ds="http://schemas.openxmlformats.org/officeDocument/2006/customXml" ds:itemID="{05D99ABA-76CE-4A8E-B5F0-C051B96628DE}">
-  <ds:schemaRefs>
-    <ds:schemaRef ds:uri="http://schemas.microsoft.com/sharepoint/v3/contenttype/forms"/>
-  </ds:schemaRefs>
-</ds:datastoreItem>
 </file>